--- a/eu/ProgrammingLessons/beginner/Switches.pptx
+++ b/eu/ProgrammingLessons/beginner/Switches.pptx
@@ -219,7 +219,7 @@
           <a:p>
             <a:fld id="{F8D9B3D7-15CB-9343-AA49-EFB5A8F33F18}" type="datetimeFigureOut">
               <a:rPr lang="en-US" smtClean="0"/>
-              <a:t>7/4/2018</a:t>
+              <a:t>9/11/22</a:t>
             </a:fld>
             <a:endParaRPr lang="en-US"/>
           </a:p>
@@ -285,7 +285,7 @@
           <a:p>
             <a:fld id="{6ED9BD6B-3536-BC44-B54A-7079C6CEB9D9}" type="slidenum">
               <a:rPr lang="en-US" smtClean="0"/>
-              <a:t>‹Nº›</a:t>
+              <a:t>‹#›</a:t>
             </a:fld>
             <a:endParaRPr lang="en-US"/>
           </a:p>
@@ -385,7 +385,7 @@
           <a:p>
             <a:fld id="{FD3EFF1E-85A1-6640-AFB9-C38833E80A84}" type="datetimeFigureOut">
               <a:rPr lang="en-US" smtClean="0"/>
-              <a:t>7/4/2018</a:t>
+              <a:t>9/11/22</a:t>
             </a:fld>
             <a:endParaRPr lang="en-US"/>
           </a:p>
@@ -543,7 +543,7 @@
           <a:p>
             <a:fld id="{13967457-1E83-1040-AFF7-8D09C473DBD5}" type="slidenum">
               <a:rPr lang="en-US" smtClean="0"/>
-              <a:t>‹Nº›</a:t>
+              <a:t>‹#›</a:t>
             </a:fld>
             <a:endParaRPr lang="en-US"/>
           </a:p>
@@ -889,7 +889,7 @@
           <a:p>
             <a:fld id="{B5921785-711F-634A-8571-8A32296EA8A7}" type="datetime1">
               <a:rPr lang="en-US" smtClean="0"/>
-              <a:t>7/4/2018</a:t>
+              <a:t>9/11/22</a:t>
             </a:fld>
             <a:endParaRPr lang="en-US"/>
           </a:p>
@@ -955,7 +955,7 @@
           <a:p>
             <a:fld id="{4DBC7FC8-25FB-FC45-8177-2B991DA6778C}" type="slidenum">
               <a:rPr lang="en-US" smtClean="0"/>
-              <a:t>‹Nº›</a:t>
+              <a:t>‹#›</a:t>
             </a:fld>
             <a:endParaRPr lang="en-US"/>
           </a:p>
@@ -1107,7 +1107,7 @@
           <a:noFill/>
           <a:extLst>
             <a:ext uri="{909E8E84-426E-40dd-AFC4-6F175D3DCCD1}">
-              <a14:hiddenFill xmlns:a14="http://schemas.microsoft.com/office/drawing/2010/main" xmlns="">
+              <a14:hiddenFill xmlns="" xmlns:a14="http://schemas.microsoft.com/office/drawing/2010/main">
                 <a:solidFill>
                   <a:srgbClr val="FFFFFF"/>
                 </a:solidFill>
@@ -1435,7 +1435,7 @@
           <a:p>
             <a:fld id="{D4B12E58-B468-2B4F-99B1-61E309BF6A39}" type="datetime1">
               <a:rPr lang="en-US" smtClean="0"/>
-              <a:t>7/4/2018</a:t>
+              <a:t>9/11/22</a:t>
             </a:fld>
             <a:endParaRPr lang="en-US"/>
           </a:p>
@@ -1488,7 +1488,7 @@
           <a:p>
             <a:fld id="{4DBC7FC8-25FB-FC45-8177-2B991DA6778C}" type="slidenum">
               <a:rPr lang="en-US" smtClean="0"/>
-              <a:t>‹Nº›</a:t>
+              <a:t>‹#›</a:t>
             </a:fld>
             <a:endParaRPr lang="en-US"/>
           </a:p>
@@ -1619,7 +1619,7 @@
           <a:p>
             <a:fld id="{7B3090C9-E358-374D-B61C-EA7B1169F882}" type="datetime1">
               <a:rPr lang="en-US" smtClean="0"/>
-              <a:t>7/4/2018</a:t>
+              <a:t>9/11/22</a:t>
             </a:fld>
             <a:endParaRPr lang="en-US"/>
           </a:p>
@@ -1672,7 +1672,7 @@
           <a:p>
             <a:fld id="{4DBC7FC8-25FB-FC45-8177-2B991DA6778C}" type="slidenum">
               <a:rPr lang="en-US" smtClean="0"/>
-              <a:t>‹Nº›</a:t>
+              <a:t>‹#›</a:t>
             </a:fld>
             <a:endParaRPr lang="en-US"/>
           </a:p>
@@ -1815,7 +1815,7 @@
           <a:p>
             <a:fld id="{957EDF52-751C-2440-AF86-78EB0A9CFCFD}" type="datetime1">
               <a:rPr lang="en-US" smtClean="0"/>
-              <a:t>7/4/2018</a:t>
+              <a:t>9/11/22</a:t>
             </a:fld>
             <a:endParaRPr lang="en-US"/>
           </a:p>
@@ -1860,14 +1860,13 @@
           <a:p>
             <a:fld id="{DE42E464-3EB8-43C8-8768-9E2AD4F497B7}" type="slidenum">
               <a:rPr lang="en-US" smtClean="0"/>
-              <a:t>‹Nº›</a:t>
+              <a:t>‹#›</a:t>
             </a:fld>
             <a:endParaRPr lang="en-US"/>
           </a:p>
         </p:txBody>
       </p:sp>
     </p:spTree>
-    <p:extLst/>
   </p:cSld>
   <p:clrMapOvr>
     <a:masterClrMapping/>
@@ -1982,7 +1981,7 @@
           <a:p>
             <a:fld id="{BB1AEC8C-855A-8949-857A-024862DD2A72}" type="datetime1">
               <a:rPr lang="en-US" smtClean="0"/>
-              <a:t>7/4/2018</a:t>
+              <a:t>9/11/22</a:t>
             </a:fld>
             <a:endParaRPr lang="en-US"/>
           </a:p>
@@ -2027,14 +2026,13 @@
           <a:p>
             <a:fld id="{DE42E464-3EB8-43C8-8768-9E2AD4F497B7}" type="slidenum">
               <a:rPr lang="en-US" smtClean="0"/>
-              <a:t>‹Nº›</a:t>
+              <a:t>‹#›</a:t>
             </a:fld>
             <a:endParaRPr lang="en-US"/>
           </a:p>
         </p:txBody>
       </p:sp>
     </p:spTree>
-    <p:extLst/>
   </p:cSld>
   <p:clrMapOvr>
     <a:masterClrMapping/>
@@ -2226,7 +2224,7 @@
           <a:p>
             <a:fld id="{3B17199B-DF80-E844-BE46-FD1EB97BA2E4}" type="datetime1">
               <a:rPr lang="en-US" smtClean="0"/>
-              <a:t>7/4/2018</a:t>
+              <a:t>9/11/22</a:t>
             </a:fld>
             <a:endParaRPr lang="en-US"/>
           </a:p>
@@ -2271,14 +2269,13 @@
           <a:p>
             <a:fld id="{DE42E464-3EB8-43C8-8768-9E2AD4F497B7}" type="slidenum">
               <a:rPr lang="en-US" smtClean="0"/>
-              <a:t>‹Nº›</a:t>
+              <a:t>‹#›</a:t>
             </a:fld>
             <a:endParaRPr lang="en-US"/>
           </a:p>
         </p:txBody>
       </p:sp>
     </p:spTree>
-    <p:extLst/>
   </p:cSld>
   <p:clrMapOvr>
     <a:masterClrMapping/>
@@ -2454,7 +2451,7 @@
           <a:p>
             <a:fld id="{F2C6C890-0347-1B4A-B597-B6F48B4AA108}" type="datetime1">
               <a:rPr lang="en-US" smtClean="0"/>
-              <a:t>7/4/2018</a:t>
+              <a:t>9/11/22</a:t>
             </a:fld>
             <a:endParaRPr lang="en-US"/>
           </a:p>
@@ -2499,14 +2496,13 @@
           <a:p>
             <a:fld id="{DE42E464-3EB8-43C8-8768-9E2AD4F497B7}" type="slidenum">
               <a:rPr lang="en-US" smtClean="0"/>
-              <a:t>‹Nº›</a:t>
+              <a:t>‹#›</a:t>
             </a:fld>
             <a:endParaRPr lang="en-US"/>
           </a:p>
         </p:txBody>
       </p:sp>
     </p:spTree>
-    <p:extLst/>
   </p:cSld>
   <p:clrMapOvr>
     <a:masterClrMapping/>
@@ -2817,7 +2813,7 @@
           <a:p>
             <a:fld id="{32A976B7-1512-C642-A522-E26275CA504D}" type="datetime1">
               <a:rPr lang="en-US" smtClean="0"/>
-              <a:t>7/4/2018</a:t>
+              <a:t>9/11/22</a:t>
             </a:fld>
             <a:endParaRPr lang="en-US"/>
           </a:p>
@@ -2862,14 +2858,13 @@
           <a:p>
             <a:fld id="{DE42E464-3EB8-43C8-8768-9E2AD4F497B7}" type="slidenum">
               <a:rPr lang="en-US" smtClean="0"/>
-              <a:t>‹Nº›</a:t>
+              <a:t>‹#›</a:t>
             </a:fld>
             <a:endParaRPr lang="en-US"/>
           </a:p>
         </p:txBody>
       </p:sp>
     </p:spTree>
-    <p:extLst/>
   </p:cSld>
   <p:clrMapOvr>
     <a:masterClrMapping/>
@@ -2933,7 +2928,7 @@
           <a:p>
             <a:fld id="{C454D889-9958-6448-B4F4-9FAA6FEAE713}" type="datetime1">
               <a:rPr lang="en-US" smtClean="0"/>
-              <a:t>7/4/2018</a:t>
+              <a:t>9/11/22</a:t>
             </a:fld>
             <a:endParaRPr lang="en-US"/>
           </a:p>
@@ -2978,14 +2973,13 @@
           <a:p>
             <a:fld id="{DE42E464-3EB8-43C8-8768-9E2AD4F497B7}" type="slidenum">
               <a:rPr lang="en-US" smtClean="0"/>
-              <a:t>‹Nº›</a:t>
+              <a:t>‹#›</a:t>
             </a:fld>
             <a:endParaRPr lang="en-US"/>
           </a:p>
         </p:txBody>
       </p:sp>
     </p:spTree>
-    <p:extLst/>
   </p:cSld>
   <p:clrMapOvr>
     <a:masterClrMapping/>
@@ -3027,7 +3021,7 @@
           <a:p>
             <a:fld id="{A16E707E-428A-5841-AF9E-34DFF7B00EF8}" type="datetime1">
               <a:rPr lang="en-US" smtClean="0"/>
-              <a:t>7/4/2018</a:t>
+              <a:t>9/11/22</a:t>
             </a:fld>
             <a:endParaRPr lang="en-US"/>
           </a:p>
@@ -3072,14 +3066,13 @@
           <a:p>
             <a:fld id="{DE42E464-3EB8-43C8-8768-9E2AD4F497B7}" type="slidenum">
               <a:rPr lang="en-US" smtClean="0"/>
-              <a:t>‹Nº›</a:t>
+              <a:t>‹#›</a:t>
             </a:fld>
             <a:endParaRPr lang="en-US"/>
           </a:p>
         </p:txBody>
       </p:sp>
     </p:spTree>
-    <p:extLst/>
   </p:cSld>
   <p:clrMapOvr>
     <a:masterClrMapping/>
@@ -3301,7 +3294,7 @@
           <a:p>
             <a:fld id="{B7D4B574-AC27-9C47-9096-4BC21A8CC6DB}" type="datetime1">
               <a:rPr lang="en-US" smtClean="0"/>
-              <a:t>7/4/2018</a:t>
+              <a:t>9/11/22</a:t>
             </a:fld>
             <a:endParaRPr lang="en-US"/>
           </a:p>
@@ -3346,14 +3339,13 @@
           <a:p>
             <a:fld id="{DE42E464-3EB8-43C8-8768-9E2AD4F497B7}" type="slidenum">
               <a:rPr lang="en-US" smtClean="0"/>
-              <a:t>‹Nº›</a:t>
+              <a:t>‹#›</a:t>
             </a:fld>
             <a:endParaRPr lang="en-US"/>
           </a:p>
         </p:txBody>
       </p:sp>
     </p:spTree>
-    <p:extLst/>
   </p:cSld>
   <p:clrMapOvr>
     <a:masterClrMapping/>
@@ -3479,7 +3471,7 @@
           <a:p>
             <a:fld id="{422FCE89-7036-BD40-A8F5-86FFBA00CF60}" type="datetime1">
               <a:rPr lang="en-US" smtClean="0"/>
-              <a:t>7/4/2018</a:t>
+              <a:t>9/11/22</a:t>
             </a:fld>
             <a:endParaRPr lang="en-US"/>
           </a:p>
@@ -3532,7 +3524,7 @@
           <a:p>
             <a:fld id="{4DBC7FC8-25FB-FC45-8177-2B991DA6778C}" type="slidenum">
               <a:rPr lang="en-US" smtClean="0"/>
-              <a:t>‹Nº›</a:t>
+              <a:t>‹#›</a:t>
             </a:fld>
             <a:endParaRPr lang="en-US" dirty="0"/>
           </a:p>
@@ -3740,7 +3732,7 @@
           <a:p>
             <a:fld id="{C6397D12-0859-9C46-8E3C-1796799B324B}" type="datetime1">
               <a:rPr lang="en-US" smtClean="0"/>
-              <a:t>7/4/2018</a:t>
+              <a:t>9/11/22</a:t>
             </a:fld>
             <a:endParaRPr lang="en-US"/>
           </a:p>
@@ -3785,14 +3777,13 @@
           <a:p>
             <a:fld id="{DE42E464-3EB8-43C8-8768-9E2AD4F497B7}" type="slidenum">
               <a:rPr lang="en-US" smtClean="0"/>
-              <a:t>‹Nº›</a:t>
+              <a:t>‹#›</a:t>
             </a:fld>
             <a:endParaRPr lang="en-US"/>
           </a:p>
         </p:txBody>
       </p:sp>
     </p:spTree>
-    <p:extLst/>
   </p:cSld>
   <p:clrMapOvr>
     <a:masterClrMapping/>
@@ -3907,7 +3898,7 @@
           <a:p>
             <a:fld id="{10A4C9AD-E74D-B347-AC6E-A38C4ED328A4}" type="datetime1">
               <a:rPr lang="en-US" smtClean="0"/>
-              <a:t>7/4/2018</a:t>
+              <a:t>9/11/22</a:t>
             </a:fld>
             <a:endParaRPr lang="en-US"/>
           </a:p>
@@ -3952,14 +3943,13 @@
           <a:p>
             <a:fld id="{DE42E464-3EB8-43C8-8768-9E2AD4F497B7}" type="slidenum">
               <a:rPr lang="en-US" smtClean="0"/>
-              <a:t>‹Nº›</a:t>
+              <a:t>‹#›</a:t>
             </a:fld>
             <a:endParaRPr lang="en-US"/>
           </a:p>
         </p:txBody>
       </p:sp>
     </p:spTree>
-    <p:extLst/>
   </p:cSld>
   <p:clrMapOvr>
     <a:masterClrMapping/>
@@ -4084,7 +4074,7 @@
           <a:p>
             <a:fld id="{45BA591D-375F-CA4C-9BEE-332DAC2C710F}" type="datetime1">
               <a:rPr lang="en-US" smtClean="0"/>
-              <a:t>7/4/2018</a:t>
+              <a:t>9/11/22</a:t>
             </a:fld>
             <a:endParaRPr lang="en-US"/>
           </a:p>
@@ -4129,14 +4119,13 @@
           <a:p>
             <a:fld id="{DE42E464-3EB8-43C8-8768-9E2AD4F497B7}" type="slidenum">
               <a:rPr lang="en-US" smtClean="0"/>
-              <a:t>‹Nº›</a:t>
+              <a:t>‹#›</a:t>
             </a:fld>
             <a:endParaRPr lang="en-US"/>
           </a:p>
         </p:txBody>
       </p:sp>
     </p:spTree>
-    <p:extLst/>
   </p:cSld>
   <p:clrMapOvr>
     <a:masterClrMapping/>
@@ -4337,7 +4326,7 @@
           <a:p>
             <a:fld id="{9882B8A8-EBB1-8D47-8778-EE05C6D60049}" type="datetime1">
               <a:rPr lang="en-US" smtClean="0"/>
-              <a:t>7/4/2018</a:t>
+              <a:t>9/11/22</a:t>
             </a:fld>
             <a:endParaRPr lang="en-US"/>
           </a:p>
@@ -4368,7 +4357,7 @@
           <a:p>
             <a:fld id="{4DBC7FC8-25FB-FC45-8177-2B991DA6778C}" type="slidenum">
               <a:rPr lang="en-US" smtClean="0"/>
-              <a:t>‹Nº›</a:t>
+              <a:t>‹#›</a:t>
             </a:fld>
             <a:endParaRPr lang="en-US"/>
           </a:p>
@@ -4635,7 +4624,7 @@
           <a:p>
             <a:fld id="{657B1F4F-293B-FD49-8DC4-192E6FF41770}" type="datetime1">
               <a:rPr lang="en-US" smtClean="0"/>
-              <a:t>7/4/2018</a:t>
+              <a:t>9/11/22</a:t>
             </a:fld>
             <a:endParaRPr lang="en-US"/>
           </a:p>
@@ -4688,7 +4677,7 @@
           <a:p>
             <a:fld id="{4DBC7FC8-25FB-FC45-8177-2B991DA6778C}" type="slidenum">
               <a:rPr lang="en-US" smtClean="0"/>
-              <a:t>‹Nº›</a:t>
+              <a:t>‹#›</a:t>
             </a:fld>
             <a:endParaRPr lang="en-US"/>
           </a:p>
@@ -5084,7 +5073,7 @@
           <a:p>
             <a:fld id="{818BBC15-2953-A14F-AD3D-B2A4A3E853D6}" type="datetime1">
               <a:rPr lang="en-US" smtClean="0"/>
-              <a:t>7/4/2018</a:t>
+              <a:t>9/11/22</a:t>
             </a:fld>
             <a:endParaRPr lang="en-US"/>
           </a:p>
@@ -5137,7 +5126,7 @@
           <a:p>
             <a:fld id="{4DBC7FC8-25FB-FC45-8177-2B991DA6778C}" type="slidenum">
               <a:rPr lang="en-US" smtClean="0"/>
-              <a:t>‹Nº›</a:t>
+              <a:t>‹#›</a:t>
             </a:fld>
             <a:endParaRPr lang="en-US"/>
           </a:p>
@@ -5207,7 +5196,7 @@
           <a:p>
             <a:fld id="{D997953D-D81B-624F-99B1-CA967DCB19D1}" type="datetime1">
               <a:rPr lang="en-US" smtClean="0"/>
-              <a:t>7/4/2018</a:t>
+              <a:t>9/11/22</a:t>
             </a:fld>
             <a:endParaRPr lang="en-US"/>
           </a:p>
@@ -5260,7 +5249,7 @@
           <a:p>
             <a:fld id="{4DBC7FC8-25FB-FC45-8177-2B991DA6778C}" type="slidenum">
               <a:rPr lang="en-US" smtClean="0"/>
-              <a:t>‹Nº›</a:t>
+              <a:t>‹#›</a:t>
             </a:fld>
             <a:endParaRPr lang="en-US"/>
           </a:p>
@@ -5308,7 +5297,7 @@
           <a:p>
             <a:fld id="{D0278E26-4B0F-3D47-B265-76855C4C91DB}" type="datetime1">
               <a:rPr lang="en-US" smtClean="0"/>
-              <a:t>7/4/2018</a:t>
+              <a:t>9/11/22</a:t>
             </a:fld>
             <a:endParaRPr lang="en-US"/>
           </a:p>
@@ -5361,7 +5350,7 @@
           <a:p>
             <a:fld id="{4DBC7FC8-25FB-FC45-8177-2B991DA6778C}" type="slidenum">
               <a:rPr lang="en-US" smtClean="0"/>
-              <a:t>‹Nº›</a:t>
+              <a:t>‹#›</a:t>
             </a:fld>
             <a:endParaRPr lang="en-US"/>
           </a:p>
@@ -5561,7 +5550,7 @@
           <a:p>
             <a:fld id="{604C3971-2E2D-5048-BB50-1569E49DCBCA}" type="datetime1">
               <a:rPr lang="en-US" smtClean="0"/>
-              <a:t>7/4/2018</a:t>
+              <a:t>9/11/22</a:t>
             </a:fld>
             <a:endParaRPr lang="en-US"/>
           </a:p>
@@ -5614,7 +5603,7 @@
           <a:p>
             <a:fld id="{4DBC7FC8-25FB-FC45-8177-2B991DA6778C}" type="slidenum">
               <a:rPr lang="en-US" smtClean="0"/>
-              <a:t>‹Nº›</a:t>
+              <a:t>‹#›</a:t>
             </a:fld>
             <a:endParaRPr lang="en-US"/>
           </a:p>
@@ -5864,7 +5853,7 @@
           <a:p>
             <a:fld id="{F1E0CC5C-9E5A-574B-B00C-48FD00736241}" type="datetime1">
               <a:rPr lang="en-US" smtClean="0"/>
-              <a:t>7/4/2018</a:t>
+              <a:t>9/11/22</a:t>
             </a:fld>
             <a:endParaRPr lang="en-US"/>
           </a:p>
@@ -5925,7 +5914,7 @@
           <a:p>
             <a:fld id="{4DBC7FC8-25FB-FC45-8177-2B991DA6778C}" type="slidenum">
               <a:rPr lang="en-US" smtClean="0"/>
-              <a:t>‹Nº›</a:t>
+              <a:t>‹#›</a:t>
             </a:fld>
             <a:endParaRPr lang="en-US"/>
           </a:p>
@@ -6169,7 +6158,7 @@
           <a:p>
             <a:fld id="{AF44B2C2-035E-2546-857A-90AD81828F22}" type="datetime1">
               <a:rPr lang="en-US" smtClean="0"/>
-              <a:t>7/4/2018</a:t>
+              <a:t>9/11/22</a:t>
             </a:fld>
             <a:endParaRPr lang="en-US"/>
           </a:p>
@@ -6238,7 +6227,7 @@
           <a:p>
             <a:fld id="{4DBC7FC8-25FB-FC45-8177-2B991DA6778C}" type="slidenum">
               <a:rPr lang="en-US" smtClean="0"/>
-              <a:t>‹Nº›</a:t>
+              <a:t>‹#›</a:t>
             </a:fld>
             <a:endParaRPr lang="en-US"/>
           </a:p>
@@ -6945,7 +6934,7 @@
           <a:p>
             <a:fld id="{15A20D2D-2649-AF4D-A5DE-27CDBD3AC40C}" type="datetime1">
               <a:rPr lang="en-US" smtClean="0"/>
-              <a:t>7/4/2018</a:t>
+              <a:t>9/11/22</a:t>
             </a:fld>
             <a:endParaRPr lang="en-US"/>
           </a:p>
@@ -7026,7 +7015,7 @@
           <a:p>
             <a:fld id="{DE42E464-3EB8-43C8-8768-9E2AD4F497B7}" type="slidenum">
               <a:rPr lang="en-US" smtClean="0"/>
-              <a:t>‹Nº›</a:t>
+              <a:t>‹#›</a:t>
             </a:fld>
             <a:endParaRPr lang="en-US"/>
           </a:p>
@@ -9801,75 +9790,6 @@
           </a:p>
           <a:p>
             <a:pPr lvl="1"/>
-            <a:r>
-              <a:rPr lang="en-US" dirty="0" err="1"/>
-              <a:t>Itzulpena</a:t>
-            </a:r>
-            <a:r>
-              <a:rPr lang="en-US" dirty="0"/>
-              <a:t> </a:t>
-            </a:r>
-            <a:r>
-              <a:rPr lang="en-US" dirty="0" err="1"/>
-              <a:t>Edurobotic-ek</a:t>
-            </a:r>
-            <a:r>
-              <a:rPr lang="en-US" dirty="0"/>
-              <a:t> </a:t>
-            </a:r>
-            <a:r>
-              <a:rPr lang="en-US" dirty="0" err="1"/>
-              <a:t>eginda</a:t>
-            </a:r>
-            <a:r>
-              <a:rPr lang="en-US" dirty="0"/>
-              <a:t>. </a:t>
-            </a:r>
-            <a:r>
-              <a:rPr lang="en-US" dirty="0">
-                <a:hlinkClick r:id="rId3"/>
-              </a:rPr>
-              <a:t>www.edurobotic.es</a:t>
-            </a:r>
-            <a:r>
-              <a:rPr lang="en-US" dirty="0"/>
-              <a:t> (</a:t>
-            </a:r>
-            <a:r>
-              <a:rPr lang="en-US" dirty="0" err="1"/>
-              <a:t>Anartz</a:t>
-            </a:r>
-            <a:r>
-              <a:rPr lang="en-US" dirty="0"/>
-              <a:t> San Juan </a:t>
-            </a:r>
-            <a:r>
-              <a:rPr lang="en-US" dirty="0" err="1"/>
-              <a:t>taldekideak</a:t>
-            </a:r>
-            <a:r>
-              <a:rPr lang="en-US" dirty="0"/>
-              <a:t> </a:t>
-            </a:r>
-            <a:r>
-              <a:rPr lang="en-US" dirty="0" err="1"/>
-              <a:t>hain</a:t>
-            </a:r>
-            <a:r>
-              <a:rPr lang="en-US" dirty="0"/>
-              <a:t> </a:t>
-            </a:r>
-            <a:r>
-              <a:rPr lang="en-US" dirty="0" err="1"/>
-              <a:t>zuzen</a:t>
-            </a:r>
-            <a:r>
-              <a:rPr lang="en-US" dirty="0"/>
-              <a:t>).</a:t>
-            </a:r>
-          </a:p>
-          <a:p>
-            <a:pPr lvl="1"/>
             <a:endParaRPr lang="en-US" dirty="0"/>
           </a:p>
         </p:txBody>
@@ -10175,7 +10095,7 @@
                   <a:srgbClr val="4374B7"/>
                 </a:solidFill>
                 <a:latin typeface="Helvetica Neue"/>
-                <a:hlinkClick r:id="rId4"/>
+                <a:hlinkClick r:id="rId3"/>
               </a:rPr>
               <a:t>Creative Commons Attribution-</a:t>
             </a:r>
@@ -10185,7 +10105,7 @@
                   <a:srgbClr val="4374B7"/>
                 </a:solidFill>
                 <a:latin typeface="Helvetica Neue"/>
-                <a:hlinkClick r:id="rId4"/>
+                <a:hlinkClick r:id="rId3"/>
               </a:rPr>
               <a:t>NonCommercial</a:t>
             </a:r>
@@ -10195,7 +10115,7 @@
                   <a:srgbClr val="4374B7"/>
                 </a:solidFill>
                 <a:latin typeface="Helvetica Neue"/>
-                <a:hlinkClick r:id="rId4"/>
+                <a:hlinkClick r:id="rId3"/>
               </a:rPr>
               <a:t>-</a:t>
             </a:r>
@@ -10205,7 +10125,7 @@
                   <a:srgbClr val="4374B7"/>
                 </a:solidFill>
                 <a:latin typeface="Helvetica Neue"/>
-                <a:hlinkClick r:id="rId4"/>
+                <a:hlinkClick r:id="rId3"/>
               </a:rPr>
               <a:t>ShareAlike</a:t>
             </a:r>
@@ -10215,7 +10135,7 @@
                   <a:srgbClr val="4374B7"/>
                 </a:solidFill>
                 <a:latin typeface="Helvetica Neue"/>
-                <a:hlinkClick r:id="rId4"/>
+                <a:hlinkClick r:id="rId3"/>
               </a:rPr>
               <a:t> 4.0 International License</a:t>
             </a:r>
@@ -10289,7 +10209,7 @@
       <p:pic>
         <p:nvPicPr>
           <p:cNvPr id="2050" name="Picture 2" descr="Creative Commons License">
-            <a:hlinkClick r:id="rId4"/>
+            <a:hlinkClick r:id="rId3"/>
           </p:cNvPr>
           <p:cNvPicPr>
             <a:picLocks noChangeAspect="1" noChangeArrowheads="1"/>
@@ -10297,7 +10217,7 @@
           <p:nvPr/>
         </p:nvPicPr>
         <p:blipFill>
-          <a:blip r:embed="rId5">
+          <a:blip r:embed="rId4">
             <a:extLst>
               <a:ext uri="{28A0092B-C50C-407E-A947-70E740481C1C}">
                 <a14:useLocalDpi xmlns:a14="http://schemas.microsoft.com/office/drawing/2010/main" val="0"/>
